--- a/src/assets/images/project-assets/can/6.330 - Final Project Diagrams.pptx
+++ b/src/assets/images/project-assets/can/6.330 - Final Project Diagrams.pptx
@@ -5,14 +5,17 @@
     <p:sldMasterId id="2147483660" r:id="rId1"/>
   </p:sldMasterIdLst>
   <p:notesMasterIdLst>
-    <p:notesMasterId r:id="rId7"/>
+    <p:notesMasterId r:id="rId10"/>
   </p:notesMasterIdLst>
   <p:sldIdLst>
     <p:sldId id="257" r:id="rId2"/>
     <p:sldId id="258" r:id="rId3"/>
-    <p:sldId id="259" r:id="rId4"/>
-    <p:sldId id="260" r:id="rId5"/>
-    <p:sldId id="261" r:id="rId6"/>
+    <p:sldId id="264" r:id="rId4"/>
+    <p:sldId id="259" r:id="rId5"/>
+    <p:sldId id="260" r:id="rId6"/>
+    <p:sldId id="263" r:id="rId7"/>
+    <p:sldId id="261" r:id="rId8"/>
+    <p:sldId id="262" r:id="rId9"/>
   </p:sldIdLst>
   <p:sldSz cx="12192000" cy="9144000"/>
   <p:notesSz cx="6858000" cy="9144000"/>
@@ -201,7 +204,7 @@
           <a:p>
             <a:fld id="{17C2C1F6-425A-4FA7-8A26-F3A75596CE10}" type="datetimeFigureOut">
               <a:rPr lang="en-US" smtClean="0"/>
-              <a:t>12/22/2023</a:t>
+              <a:t>12/23/2023</a:t>
             </a:fld>
             <a:endParaRPr lang="en-US"/>
           </a:p>
@@ -599,7 +602,7 @@
           <a:p>
             <a:fld id="{E992D840-5875-470A-86C5-6A5BE708DF95}" type="datetimeFigureOut">
               <a:rPr lang="en-US" smtClean="0"/>
-              <a:t>12/22/2023</a:t>
+              <a:t>12/23/2023</a:t>
             </a:fld>
             <a:endParaRPr lang="en-US"/>
           </a:p>
@@ -769,7 +772,7 @@
           <a:p>
             <a:fld id="{E992D840-5875-470A-86C5-6A5BE708DF95}" type="datetimeFigureOut">
               <a:rPr lang="en-US" smtClean="0"/>
-              <a:t>12/22/2023</a:t>
+              <a:t>12/23/2023</a:t>
             </a:fld>
             <a:endParaRPr lang="en-US"/>
           </a:p>
@@ -949,7 +952,7 @@
           <a:p>
             <a:fld id="{E992D840-5875-470A-86C5-6A5BE708DF95}" type="datetimeFigureOut">
               <a:rPr lang="en-US" smtClean="0"/>
-              <a:t>12/22/2023</a:t>
+              <a:t>12/23/2023</a:t>
             </a:fld>
             <a:endParaRPr lang="en-US"/>
           </a:p>
@@ -1119,7 +1122,7 @@
           <a:p>
             <a:fld id="{E992D840-5875-470A-86C5-6A5BE708DF95}" type="datetimeFigureOut">
               <a:rPr lang="en-US" smtClean="0"/>
-              <a:t>12/22/2023</a:t>
+              <a:t>12/23/2023</a:t>
             </a:fld>
             <a:endParaRPr lang="en-US"/>
           </a:p>
@@ -1363,7 +1366,7 @@
           <a:p>
             <a:fld id="{E992D840-5875-470A-86C5-6A5BE708DF95}" type="datetimeFigureOut">
               <a:rPr lang="en-US" smtClean="0"/>
-              <a:t>12/22/2023</a:t>
+              <a:t>12/23/2023</a:t>
             </a:fld>
             <a:endParaRPr lang="en-US"/>
           </a:p>
@@ -1595,7 +1598,7 @@
           <a:p>
             <a:fld id="{E992D840-5875-470A-86C5-6A5BE708DF95}" type="datetimeFigureOut">
               <a:rPr lang="en-US" smtClean="0"/>
-              <a:t>12/22/2023</a:t>
+              <a:t>12/23/2023</a:t>
             </a:fld>
             <a:endParaRPr lang="en-US"/>
           </a:p>
@@ -1962,7 +1965,7 @@
           <a:p>
             <a:fld id="{E992D840-5875-470A-86C5-6A5BE708DF95}" type="datetimeFigureOut">
               <a:rPr lang="en-US" smtClean="0"/>
-              <a:t>12/22/2023</a:t>
+              <a:t>12/23/2023</a:t>
             </a:fld>
             <a:endParaRPr lang="en-US"/>
           </a:p>
@@ -2080,7 +2083,7 @@
           <a:p>
             <a:fld id="{E992D840-5875-470A-86C5-6A5BE708DF95}" type="datetimeFigureOut">
               <a:rPr lang="en-US" smtClean="0"/>
-              <a:t>12/22/2023</a:t>
+              <a:t>12/23/2023</a:t>
             </a:fld>
             <a:endParaRPr lang="en-US"/>
           </a:p>
@@ -2175,7 +2178,7 @@
           <a:p>
             <a:fld id="{E992D840-5875-470A-86C5-6A5BE708DF95}" type="datetimeFigureOut">
               <a:rPr lang="en-US" smtClean="0"/>
-              <a:t>12/22/2023</a:t>
+              <a:t>12/23/2023</a:t>
             </a:fld>
             <a:endParaRPr lang="en-US"/>
           </a:p>
@@ -2452,7 +2455,7 @@
           <a:p>
             <a:fld id="{E992D840-5875-470A-86C5-6A5BE708DF95}" type="datetimeFigureOut">
               <a:rPr lang="en-US" smtClean="0"/>
-              <a:t>12/22/2023</a:t>
+              <a:t>12/23/2023</a:t>
             </a:fld>
             <a:endParaRPr lang="en-US"/>
           </a:p>
@@ -2709,7 +2712,7 @@
           <a:p>
             <a:fld id="{E992D840-5875-470A-86C5-6A5BE708DF95}" type="datetimeFigureOut">
               <a:rPr lang="en-US" smtClean="0"/>
-              <a:t>12/22/2023</a:t>
+              <a:t>12/23/2023</a:t>
             </a:fld>
             <a:endParaRPr lang="en-US"/>
           </a:p>
@@ -2922,7 +2925,7 @@
           <a:p>
             <a:fld id="{E992D840-5875-470A-86C5-6A5BE708DF95}" type="datetimeFigureOut">
               <a:rPr lang="en-US" smtClean="0"/>
-              <a:t>12/22/2023</a:t>
+              <a:t>12/23/2023</a:t>
             </a:fld>
             <a:endParaRPr lang="en-US"/>
           </a:p>
@@ -6596,8 +6599,8 @@
           </p:style>
         </p:cxnSp>
       </p:grpSp>
-      <mc:AlternateContent xmlns:mc="http://schemas.openxmlformats.org/markup-compatibility/2006">
-        <mc:Choice xmlns:a14="http://schemas.microsoft.com/office/drawing/2010/main" Requires="a14">
+      <mc:AlternateContent xmlns:mc="http://schemas.openxmlformats.org/markup-compatibility/2006" xmlns:a14="http://schemas.microsoft.com/office/drawing/2010/main">
+        <mc:Choice Requires="a14">
           <p:sp>
             <p:nvSpPr>
               <p:cNvPr id="40" name="TextBox 39">
@@ -6626,6 +6629,7 @@
               </a:bodyPr>
               <a:lstStyle/>
               <a:p>
+                <a:pPr/>
                 <a14:m>
                   <m:oMathPara xmlns:m="http://schemas.openxmlformats.org/officeDocument/2006/math">
                     <m:oMathParaPr>
@@ -6652,7 +6656,7 @@
             </p:txBody>
           </p:sp>
         </mc:Choice>
-        <mc:Fallback>
+        <mc:Fallback xmlns="">
           <p:sp>
             <p:nvSpPr>
               <p:cNvPr id="40" name="TextBox 39">
@@ -6856,8 +6860,8 @@
           </p:style>
         </p:cxnSp>
       </p:grpSp>
-      <mc:AlternateContent xmlns:mc="http://schemas.openxmlformats.org/markup-compatibility/2006">
-        <mc:Choice xmlns:a14="http://schemas.microsoft.com/office/drawing/2010/main" Requires="a14">
+      <mc:AlternateContent xmlns:mc="http://schemas.openxmlformats.org/markup-compatibility/2006" xmlns:a14="http://schemas.microsoft.com/office/drawing/2010/main">
+        <mc:Choice Requires="a14">
           <p:sp>
             <p:nvSpPr>
               <p:cNvPr id="50" name="TextBox 49">
@@ -6886,6 +6890,7 @@
               </a:bodyPr>
               <a:lstStyle/>
               <a:p>
+                <a:pPr/>
                 <a14:m>
                   <m:oMathPara xmlns:m="http://schemas.openxmlformats.org/officeDocument/2006/math">
                     <m:oMathParaPr>
@@ -6906,7 +6911,7 @@
             </p:txBody>
           </p:sp>
         </mc:Choice>
-        <mc:Fallback>
+        <mc:Fallback xmlns="">
           <p:sp>
             <p:nvSpPr>
               <p:cNvPr id="50" name="TextBox 49">
@@ -7089,8 +7094,8 @@
           </a:fontRef>
         </p:style>
       </p:cxnSp>
-      <mc:AlternateContent xmlns:mc="http://schemas.openxmlformats.org/markup-compatibility/2006">
-        <mc:Choice xmlns:a14="http://schemas.microsoft.com/office/drawing/2010/main" Requires="a14">
+      <mc:AlternateContent xmlns:mc="http://schemas.openxmlformats.org/markup-compatibility/2006" xmlns:a14="http://schemas.microsoft.com/office/drawing/2010/main">
+        <mc:Choice Requires="a14">
           <p:sp>
             <p:nvSpPr>
               <p:cNvPr id="55" name="TextBox 54">
@@ -7119,6 +7124,7 @@
               </a:bodyPr>
               <a:lstStyle/>
               <a:p>
+                <a:pPr/>
                 <a14:m>
                   <m:oMathPara xmlns:m="http://schemas.openxmlformats.org/officeDocument/2006/math">
                     <m:oMathParaPr>
@@ -7139,7 +7145,7 @@
             </p:txBody>
           </p:sp>
         </mc:Choice>
-        <mc:Fallback>
+        <mc:Fallback xmlns="">
           <p:sp>
             <p:nvSpPr>
               <p:cNvPr id="55" name="TextBox 54">
@@ -7184,8 +7190,8 @@
           </p:sp>
         </mc:Fallback>
       </mc:AlternateContent>
-      <mc:AlternateContent xmlns:mc="http://schemas.openxmlformats.org/markup-compatibility/2006">
-        <mc:Choice xmlns:a14="http://schemas.microsoft.com/office/drawing/2010/main" Requires="a14">
+      <mc:AlternateContent xmlns:mc="http://schemas.openxmlformats.org/markup-compatibility/2006" xmlns:a14="http://schemas.microsoft.com/office/drawing/2010/main">
+        <mc:Choice Requires="a14">
           <p:sp>
             <p:nvSpPr>
               <p:cNvPr id="57" name="TextBox 56">
@@ -7295,7 +7301,7 @@
             </p:txBody>
           </p:sp>
         </mc:Choice>
-        <mc:Fallback>
+        <mc:Fallback xmlns="">
           <p:sp>
             <p:nvSpPr>
               <p:cNvPr id="57" name="TextBox 56">
@@ -7651,7 +7657,7 @@
             </a:prstGeom>
             <a:solidFill>
               <a:schemeClr val="accent1">
-                <a:lumMod val="50000"/>
+                <a:lumMod val="75000"/>
               </a:schemeClr>
             </a:solidFill>
           </p:spPr>
@@ -8230,8 +8236,8 @@
           </a:fontRef>
         </p:style>
       </p:cxnSp>
-      <mc:AlternateContent xmlns:mc="http://schemas.openxmlformats.org/markup-compatibility/2006">
-        <mc:Choice xmlns:a14="http://schemas.microsoft.com/office/drawing/2010/main" Requires="a14">
+      <mc:AlternateContent xmlns:mc="http://schemas.openxmlformats.org/markup-compatibility/2006" xmlns:a14="http://schemas.microsoft.com/office/drawing/2010/main">
+        <mc:Choice Requires="a14">
           <p:sp>
             <p:nvSpPr>
               <p:cNvPr id="146" name="TextBox 145">
@@ -8260,6 +8266,7 @@
               </a:bodyPr>
               <a:lstStyle/>
               <a:p>
+                <a:pPr/>
                 <a14:m>
                   <m:oMathPara xmlns:m="http://schemas.openxmlformats.org/officeDocument/2006/math">
                     <m:oMathParaPr>
@@ -8287,7 +8294,7 @@
             </p:txBody>
           </p:sp>
         </mc:Choice>
-        <mc:Fallback>
+        <mc:Fallback xmlns="">
           <p:sp>
             <p:nvSpPr>
               <p:cNvPr id="146" name="TextBox 145">
@@ -8332,8 +8339,8 @@
           </p:sp>
         </mc:Fallback>
       </mc:AlternateContent>
-      <mc:AlternateContent xmlns:mc="http://schemas.openxmlformats.org/markup-compatibility/2006">
-        <mc:Choice xmlns:a14="http://schemas.microsoft.com/office/drawing/2010/main" Requires="a14">
+      <mc:AlternateContent xmlns:mc="http://schemas.openxmlformats.org/markup-compatibility/2006" xmlns:a14="http://schemas.microsoft.com/office/drawing/2010/main">
+        <mc:Choice Requires="a14">
           <p:sp>
             <p:nvSpPr>
               <p:cNvPr id="147" name="TextBox 146">
@@ -8362,6 +8369,7 @@
               </a:bodyPr>
               <a:lstStyle/>
               <a:p>
+                <a:pPr/>
                 <a14:m>
                   <m:oMathPara xmlns:m="http://schemas.openxmlformats.org/officeDocument/2006/math">
                     <m:oMathParaPr>
@@ -8389,7 +8397,7 @@
             </p:txBody>
           </p:sp>
         </mc:Choice>
-        <mc:Fallback>
+        <mc:Fallback xmlns="">
           <p:sp>
             <p:nvSpPr>
               <p:cNvPr id="147" name="TextBox 146">
@@ -8434,8 +8442,8 @@
           </p:sp>
         </mc:Fallback>
       </mc:AlternateContent>
-      <mc:AlternateContent xmlns:mc="http://schemas.openxmlformats.org/markup-compatibility/2006">
-        <mc:Choice xmlns:a14="http://schemas.microsoft.com/office/drawing/2010/main" Requires="a14">
+      <mc:AlternateContent xmlns:mc="http://schemas.openxmlformats.org/markup-compatibility/2006" xmlns:a14="http://schemas.microsoft.com/office/drawing/2010/main">
+        <mc:Choice Requires="a14">
           <p:sp>
             <p:nvSpPr>
               <p:cNvPr id="175" name="TextBox 174">
@@ -8464,6 +8472,7 @@
               </a:bodyPr>
               <a:lstStyle/>
               <a:p>
+                <a:pPr/>
                 <a14:m>
                   <m:oMathPara xmlns:m="http://schemas.openxmlformats.org/officeDocument/2006/math">
                     <m:oMathParaPr>
@@ -8509,7 +8518,7 @@
             </p:txBody>
           </p:sp>
         </mc:Choice>
-        <mc:Fallback>
+        <mc:Fallback xmlns="">
           <p:sp>
             <p:nvSpPr>
               <p:cNvPr id="175" name="TextBox 174">
@@ -8654,6 +8663,1090 @@
           <a:chExt cx="0" cy="0"/>
         </a:xfrm>
       </p:grpSpPr>
+      <p:sp>
+        <p:nvSpPr>
+          <p:cNvPr id="29" name="Teardrop 28">
+            <a:extLst>
+              <a:ext uri="{FF2B5EF4-FFF2-40B4-BE49-F238E27FC236}">
+                <a16:creationId xmlns:a16="http://schemas.microsoft.com/office/drawing/2014/main" id="{D5031291-B18F-8A2F-8E56-F812CE35E23A}"/>
+              </a:ext>
+            </a:extLst>
+          </p:cNvPr>
+          <p:cNvSpPr/>
+          <p:nvPr/>
+        </p:nvSpPr>
+        <p:spPr>
+          <a:xfrm rot="14461510">
+            <a:off x="7602385" y="2201272"/>
+            <a:ext cx="2962845" cy="2876577"/>
+          </a:xfrm>
+          <a:prstGeom prst="teardrop">
+            <a:avLst>
+              <a:gd name="adj" fmla="val 98768"/>
+            </a:avLst>
+          </a:prstGeom>
+          <a:solidFill>
+            <a:schemeClr val="accent6">
+              <a:lumMod val="40000"/>
+              <a:lumOff val="60000"/>
+            </a:schemeClr>
+          </a:solidFill>
+        </p:spPr>
+        <p:style>
+          <a:lnRef idx="2">
+            <a:schemeClr val="accent1">
+              <a:shade val="15000"/>
+            </a:schemeClr>
+          </a:lnRef>
+          <a:fillRef idx="1">
+            <a:schemeClr val="accent1"/>
+          </a:fillRef>
+          <a:effectRef idx="0">
+            <a:schemeClr val="accent1"/>
+          </a:effectRef>
+          <a:fontRef idx="minor">
+            <a:schemeClr val="lt1"/>
+          </a:fontRef>
+        </p:style>
+        <p:txBody>
+          <a:bodyPr rtlCol="0" anchor="ctr"/>
+          <a:lstStyle/>
+          <a:p>
+            <a:pPr algn="ctr"/>
+            <a:endParaRPr lang="en-US" dirty="0"/>
+          </a:p>
+        </p:txBody>
+      </p:sp>
+      <p:sp>
+        <p:nvSpPr>
+          <p:cNvPr id="34" name="Rectangle: Rounded Corners 33">
+            <a:extLst>
+              <a:ext uri="{FF2B5EF4-FFF2-40B4-BE49-F238E27FC236}">
+                <a16:creationId xmlns:a16="http://schemas.microsoft.com/office/drawing/2014/main" id="{4CDB0E5F-5B00-F141-2177-DFB01FD4FA01}"/>
+              </a:ext>
+            </a:extLst>
+          </p:cNvPr>
+          <p:cNvSpPr/>
+          <p:nvPr/>
+        </p:nvSpPr>
+        <p:spPr>
+          <a:xfrm rot="5400000">
+            <a:off x="6358711" y="3738579"/>
+            <a:ext cx="2127448" cy="404714"/>
+          </a:xfrm>
+          <a:prstGeom prst="roundRect">
+            <a:avLst/>
+          </a:prstGeom>
+          <a:solidFill>
+            <a:schemeClr val="accent4">
+              <a:lumMod val="40000"/>
+              <a:lumOff val="60000"/>
+            </a:schemeClr>
+          </a:solidFill>
+        </p:spPr>
+        <p:style>
+          <a:lnRef idx="2">
+            <a:schemeClr val="accent1">
+              <a:shade val="15000"/>
+            </a:schemeClr>
+          </a:lnRef>
+          <a:fillRef idx="1">
+            <a:schemeClr val="accent1"/>
+          </a:fillRef>
+          <a:effectRef idx="0">
+            <a:schemeClr val="accent1"/>
+          </a:effectRef>
+          <a:fontRef idx="minor">
+            <a:schemeClr val="lt1"/>
+          </a:fontRef>
+        </p:style>
+        <p:txBody>
+          <a:bodyPr rtlCol="0" anchor="ctr"/>
+          <a:lstStyle/>
+          <a:p>
+            <a:pPr algn="ctr"/>
+            <a:endParaRPr lang="en-US" dirty="0"/>
+          </a:p>
+        </p:txBody>
+      </p:sp>
+      <p:sp>
+        <p:nvSpPr>
+          <p:cNvPr id="30" name="Arc 29">
+            <a:extLst>
+              <a:ext uri="{FF2B5EF4-FFF2-40B4-BE49-F238E27FC236}">
+                <a16:creationId xmlns:a16="http://schemas.microsoft.com/office/drawing/2014/main" id="{E71DF6CC-AE06-BEAB-71A6-F9376002D2F8}"/>
+              </a:ext>
+            </a:extLst>
+          </p:cNvPr>
+          <p:cNvSpPr/>
+          <p:nvPr/>
+        </p:nvSpPr>
+        <p:spPr>
+          <a:xfrm rot="11749969">
+            <a:off x="8124021" y="2699084"/>
+            <a:ext cx="1559909" cy="1559909"/>
+          </a:xfrm>
+          <a:prstGeom prst="arc">
+            <a:avLst>
+              <a:gd name="adj1" fmla="val 18502997"/>
+              <a:gd name="adj2" fmla="val 366649"/>
+            </a:avLst>
+          </a:prstGeom>
+          <a:ln w="254000">
+            <a:solidFill>
+              <a:schemeClr val="bg1"/>
+            </a:solidFill>
+          </a:ln>
+        </p:spPr>
+        <p:style>
+          <a:lnRef idx="1">
+            <a:schemeClr val="accent1"/>
+          </a:lnRef>
+          <a:fillRef idx="0">
+            <a:schemeClr val="accent1"/>
+          </a:fillRef>
+          <a:effectRef idx="0">
+            <a:schemeClr val="accent1"/>
+          </a:effectRef>
+          <a:fontRef idx="minor">
+            <a:schemeClr val="tx1"/>
+          </a:fontRef>
+        </p:style>
+        <p:txBody>
+          <a:bodyPr rtlCol="0" anchor="ctr"/>
+          <a:lstStyle/>
+          <a:p>
+            <a:pPr algn="ctr"/>
+            <a:endParaRPr lang="en-US"/>
+          </a:p>
+        </p:txBody>
+      </p:sp>
+      <p:sp>
+        <p:nvSpPr>
+          <p:cNvPr id="31" name="Rectangle: Rounded Corners 30">
+            <a:extLst>
+              <a:ext uri="{FF2B5EF4-FFF2-40B4-BE49-F238E27FC236}">
+                <a16:creationId xmlns:a16="http://schemas.microsoft.com/office/drawing/2014/main" id="{E78C8A67-5130-AF2E-0D49-46731E15B1F8}"/>
+              </a:ext>
+            </a:extLst>
+          </p:cNvPr>
+          <p:cNvSpPr/>
+          <p:nvPr/>
+        </p:nvSpPr>
+        <p:spPr>
+          <a:xfrm rot="6349969">
+            <a:off x="5979806" y="5094600"/>
+            <a:ext cx="5096577" cy="1009051"/>
+          </a:xfrm>
+          <a:prstGeom prst="roundRect">
+            <a:avLst/>
+          </a:prstGeom>
+          <a:solidFill>
+            <a:schemeClr val="accent1">
+              <a:lumMod val="75000"/>
+            </a:schemeClr>
+          </a:solidFill>
+        </p:spPr>
+        <p:style>
+          <a:lnRef idx="2">
+            <a:schemeClr val="accent1">
+              <a:shade val="15000"/>
+            </a:schemeClr>
+          </a:lnRef>
+          <a:fillRef idx="1">
+            <a:schemeClr val="accent1"/>
+          </a:fillRef>
+          <a:effectRef idx="0">
+            <a:schemeClr val="accent1"/>
+          </a:effectRef>
+          <a:fontRef idx="minor">
+            <a:schemeClr val="lt1"/>
+          </a:fontRef>
+        </p:style>
+        <p:txBody>
+          <a:bodyPr rtlCol="0" anchor="ctr"/>
+          <a:lstStyle/>
+          <a:p>
+            <a:pPr algn="ctr"/>
+            <a:endParaRPr lang="en-US" dirty="0"/>
+          </a:p>
+        </p:txBody>
+      </p:sp>
+      <p:sp>
+        <p:nvSpPr>
+          <p:cNvPr id="32" name="Oval 31">
+            <a:extLst>
+              <a:ext uri="{FF2B5EF4-FFF2-40B4-BE49-F238E27FC236}">
+                <a16:creationId xmlns:a16="http://schemas.microsoft.com/office/drawing/2014/main" id="{287CD0B0-65BA-405A-2DDC-FB7B4FADE364}"/>
+              </a:ext>
+            </a:extLst>
+          </p:cNvPr>
+          <p:cNvSpPr/>
+          <p:nvPr/>
+        </p:nvSpPr>
+        <p:spPr>
+          <a:xfrm rot="949969">
+            <a:off x="8712905" y="3266465"/>
+            <a:ext cx="747929" cy="747929"/>
+          </a:xfrm>
+          <a:prstGeom prst="ellipse">
+            <a:avLst/>
+          </a:prstGeom>
+          <a:solidFill>
+            <a:schemeClr val="bg1">
+              <a:lumMod val="50000"/>
+            </a:schemeClr>
+          </a:solidFill>
+          <a:ln>
+            <a:noFill/>
+          </a:ln>
+        </p:spPr>
+        <p:style>
+          <a:lnRef idx="2">
+            <a:schemeClr val="accent1">
+              <a:shade val="15000"/>
+            </a:schemeClr>
+          </a:lnRef>
+          <a:fillRef idx="1">
+            <a:schemeClr val="accent1"/>
+          </a:fillRef>
+          <a:effectRef idx="0">
+            <a:schemeClr val="accent1"/>
+          </a:effectRef>
+          <a:fontRef idx="minor">
+            <a:schemeClr val="lt1"/>
+          </a:fontRef>
+        </p:style>
+        <p:txBody>
+          <a:bodyPr rtlCol="0" anchor="ctr"/>
+          <a:lstStyle/>
+          <a:p>
+            <a:pPr algn="ctr"/>
+            <a:endParaRPr lang="en-US"/>
+          </a:p>
+        </p:txBody>
+      </p:sp>
+      <p:sp>
+        <p:nvSpPr>
+          <p:cNvPr id="35" name="Oval 34">
+            <a:extLst>
+              <a:ext uri="{FF2B5EF4-FFF2-40B4-BE49-F238E27FC236}">
+                <a16:creationId xmlns:a16="http://schemas.microsoft.com/office/drawing/2014/main" id="{4205D602-D274-D0DB-7A75-6B9E43FEC4DF}"/>
+              </a:ext>
+            </a:extLst>
+          </p:cNvPr>
+          <p:cNvSpPr/>
+          <p:nvPr/>
+        </p:nvSpPr>
+        <p:spPr>
+          <a:xfrm rot="949969">
+            <a:off x="7310518" y="3034847"/>
+            <a:ext cx="225637" cy="225637"/>
+          </a:xfrm>
+          <a:prstGeom prst="ellipse">
+            <a:avLst/>
+          </a:prstGeom>
+          <a:solidFill>
+            <a:schemeClr val="bg1">
+              <a:lumMod val="50000"/>
+            </a:schemeClr>
+          </a:solidFill>
+          <a:ln>
+            <a:noFill/>
+          </a:ln>
+        </p:spPr>
+        <p:style>
+          <a:lnRef idx="2">
+            <a:schemeClr val="accent1">
+              <a:shade val="15000"/>
+            </a:schemeClr>
+          </a:lnRef>
+          <a:fillRef idx="1">
+            <a:schemeClr val="accent1"/>
+          </a:fillRef>
+          <a:effectRef idx="0">
+            <a:schemeClr val="accent1"/>
+          </a:effectRef>
+          <a:fontRef idx="minor">
+            <a:schemeClr val="lt1"/>
+          </a:fontRef>
+        </p:style>
+        <p:txBody>
+          <a:bodyPr rtlCol="0" anchor="ctr"/>
+          <a:lstStyle/>
+          <a:p>
+            <a:pPr algn="ctr"/>
+            <a:endParaRPr lang="en-US"/>
+          </a:p>
+        </p:txBody>
+      </p:sp>
+      <p:sp>
+        <p:nvSpPr>
+          <p:cNvPr id="11" name="Teardrop 10">
+            <a:extLst>
+              <a:ext uri="{FF2B5EF4-FFF2-40B4-BE49-F238E27FC236}">
+                <a16:creationId xmlns:a16="http://schemas.microsoft.com/office/drawing/2014/main" id="{CC000B70-EB64-978B-5E37-DF85F944AB14}"/>
+              </a:ext>
+            </a:extLst>
+          </p:cNvPr>
+          <p:cNvSpPr/>
+          <p:nvPr/>
+        </p:nvSpPr>
+        <p:spPr>
+          <a:xfrm rot="13511541">
+            <a:off x="2174705" y="1912663"/>
+            <a:ext cx="2962845" cy="2876577"/>
+          </a:xfrm>
+          <a:prstGeom prst="teardrop">
+            <a:avLst>
+              <a:gd name="adj" fmla="val 98768"/>
+            </a:avLst>
+          </a:prstGeom>
+          <a:solidFill>
+            <a:schemeClr val="accent6">
+              <a:lumMod val="40000"/>
+              <a:lumOff val="60000"/>
+            </a:schemeClr>
+          </a:solidFill>
+        </p:spPr>
+        <p:style>
+          <a:lnRef idx="2">
+            <a:schemeClr val="accent1">
+              <a:shade val="15000"/>
+            </a:schemeClr>
+          </a:lnRef>
+          <a:fillRef idx="1">
+            <a:schemeClr val="accent1"/>
+          </a:fillRef>
+          <a:effectRef idx="0">
+            <a:schemeClr val="accent1"/>
+          </a:effectRef>
+          <a:fontRef idx="minor">
+            <a:schemeClr val="lt1"/>
+          </a:fontRef>
+        </p:style>
+        <p:txBody>
+          <a:bodyPr rtlCol="0" anchor="ctr"/>
+          <a:lstStyle/>
+          <a:p>
+            <a:pPr algn="ctr"/>
+            <a:endParaRPr lang="en-US"/>
+          </a:p>
+        </p:txBody>
+      </p:sp>
+      <p:sp>
+        <p:nvSpPr>
+          <p:cNvPr id="20" name="Arc 19">
+            <a:extLst>
+              <a:ext uri="{FF2B5EF4-FFF2-40B4-BE49-F238E27FC236}">
+                <a16:creationId xmlns:a16="http://schemas.microsoft.com/office/drawing/2014/main" id="{AEFC6D76-C2CA-B5D1-EE7A-DEB1E637E75E}"/>
+              </a:ext>
+            </a:extLst>
+          </p:cNvPr>
+          <p:cNvSpPr/>
+          <p:nvPr/>
+        </p:nvSpPr>
+        <p:spPr>
+          <a:xfrm rot="10800000">
+            <a:off x="2659369" y="2465629"/>
+            <a:ext cx="1559909" cy="1559909"/>
+          </a:xfrm>
+          <a:prstGeom prst="arc">
+            <a:avLst>
+              <a:gd name="adj1" fmla="val 18502997"/>
+              <a:gd name="adj2" fmla="val 366649"/>
+            </a:avLst>
+          </a:prstGeom>
+          <a:ln w="254000">
+            <a:solidFill>
+              <a:schemeClr val="bg1"/>
+            </a:solidFill>
+          </a:ln>
+        </p:spPr>
+        <p:style>
+          <a:lnRef idx="1">
+            <a:schemeClr val="accent1"/>
+          </a:lnRef>
+          <a:fillRef idx="0">
+            <a:schemeClr val="accent1"/>
+          </a:fillRef>
+          <a:effectRef idx="0">
+            <a:schemeClr val="accent1"/>
+          </a:effectRef>
+          <a:fontRef idx="minor">
+            <a:schemeClr val="tx1"/>
+          </a:fontRef>
+        </p:style>
+        <p:txBody>
+          <a:bodyPr rtlCol="0" anchor="ctr"/>
+          <a:lstStyle/>
+          <a:p>
+            <a:pPr algn="ctr"/>
+            <a:endParaRPr lang="en-US"/>
+          </a:p>
+        </p:txBody>
+      </p:sp>
+      <p:sp>
+        <p:nvSpPr>
+          <p:cNvPr id="8" name="Rectangle: Rounded Corners 7">
+            <a:extLst>
+              <a:ext uri="{FF2B5EF4-FFF2-40B4-BE49-F238E27FC236}">
+                <a16:creationId xmlns:a16="http://schemas.microsoft.com/office/drawing/2014/main" id="{11383264-36C3-E8ED-02FE-87099B769796}"/>
+              </a:ext>
+            </a:extLst>
+          </p:cNvPr>
+          <p:cNvSpPr/>
+          <p:nvPr/>
+        </p:nvSpPr>
+        <p:spPr>
+          <a:xfrm rot="5400000">
+            <a:off x="1107840" y="4883265"/>
+            <a:ext cx="5096577" cy="1009051"/>
+          </a:xfrm>
+          <a:prstGeom prst="roundRect">
+            <a:avLst/>
+          </a:prstGeom>
+          <a:solidFill>
+            <a:schemeClr val="accent1">
+              <a:lumMod val="75000"/>
+            </a:schemeClr>
+          </a:solidFill>
+        </p:spPr>
+        <p:style>
+          <a:lnRef idx="2">
+            <a:schemeClr val="accent1">
+              <a:shade val="15000"/>
+            </a:schemeClr>
+          </a:lnRef>
+          <a:fillRef idx="1">
+            <a:schemeClr val="accent1"/>
+          </a:fillRef>
+          <a:effectRef idx="0">
+            <a:schemeClr val="accent1"/>
+          </a:effectRef>
+          <a:fontRef idx="minor">
+            <a:schemeClr val="lt1"/>
+          </a:fontRef>
+        </p:style>
+        <p:txBody>
+          <a:bodyPr rtlCol="0" anchor="ctr"/>
+          <a:lstStyle/>
+          <a:p>
+            <a:pPr algn="ctr"/>
+            <a:endParaRPr lang="en-US" dirty="0"/>
+          </a:p>
+        </p:txBody>
+      </p:sp>
+      <p:sp>
+        <p:nvSpPr>
+          <p:cNvPr id="5" name="Oval 4">
+            <a:extLst>
+              <a:ext uri="{FF2B5EF4-FFF2-40B4-BE49-F238E27FC236}">
+                <a16:creationId xmlns:a16="http://schemas.microsoft.com/office/drawing/2014/main" id="{B4F1ADE0-8530-6B82-D27B-4A715CA8D93A}"/>
+              </a:ext>
+            </a:extLst>
+          </p:cNvPr>
+          <p:cNvSpPr/>
+          <p:nvPr/>
+        </p:nvSpPr>
+        <p:spPr>
+          <a:xfrm>
+            <a:off x="3285347" y="2976988"/>
+            <a:ext cx="747929" cy="747929"/>
+          </a:xfrm>
+          <a:prstGeom prst="ellipse">
+            <a:avLst/>
+          </a:prstGeom>
+          <a:solidFill>
+            <a:schemeClr val="bg1">
+              <a:lumMod val="50000"/>
+            </a:schemeClr>
+          </a:solidFill>
+          <a:ln>
+            <a:noFill/>
+          </a:ln>
+        </p:spPr>
+        <p:style>
+          <a:lnRef idx="2">
+            <a:schemeClr val="accent1">
+              <a:shade val="15000"/>
+            </a:schemeClr>
+          </a:lnRef>
+          <a:fillRef idx="1">
+            <a:schemeClr val="accent1"/>
+          </a:fillRef>
+          <a:effectRef idx="0">
+            <a:schemeClr val="accent1"/>
+          </a:effectRef>
+          <a:fontRef idx="minor">
+            <a:schemeClr val="lt1"/>
+          </a:fontRef>
+        </p:style>
+        <p:txBody>
+          <a:bodyPr rtlCol="0" anchor="ctr"/>
+          <a:lstStyle/>
+          <a:p>
+            <a:pPr algn="ctr"/>
+            <a:endParaRPr lang="en-US"/>
+          </a:p>
+        </p:txBody>
+      </p:sp>
+      <p:sp>
+        <p:nvSpPr>
+          <p:cNvPr id="6" name="Oval 5">
+            <a:extLst>
+              <a:ext uri="{FF2B5EF4-FFF2-40B4-BE49-F238E27FC236}">
+                <a16:creationId xmlns:a16="http://schemas.microsoft.com/office/drawing/2014/main" id="{48D1D0F3-DE0A-1D37-DAF7-EA931AE8C5C6}"/>
+              </a:ext>
+            </a:extLst>
+          </p:cNvPr>
+          <p:cNvSpPr/>
+          <p:nvPr/>
+        </p:nvSpPr>
+        <p:spPr>
+          <a:xfrm>
+            <a:off x="2546551" y="3245584"/>
+            <a:ext cx="225637" cy="225637"/>
+          </a:xfrm>
+          <a:prstGeom prst="ellipse">
+            <a:avLst/>
+          </a:prstGeom>
+          <a:solidFill>
+            <a:srgbClr val="FF0000"/>
+          </a:solidFill>
+          <a:ln>
+            <a:noFill/>
+          </a:ln>
+        </p:spPr>
+        <p:style>
+          <a:lnRef idx="2">
+            <a:schemeClr val="accent1">
+              <a:shade val="15000"/>
+            </a:schemeClr>
+          </a:lnRef>
+          <a:fillRef idx="1">
+            <a:schemeClr val="accent1"/>
+          </a:fillRef>
+          <a:effectRef idx="0">
+            <a:schemeClr val="accent1"/>
+          </a:effectRef>
+          <a:fontRef idx="minor">
+            <a:schemeClr val="lt1"/>
+          </a:fontRef>
+        </p:style>
+        <p:txBody>
+          <a:bodyPr rtlCol="0" anchor="ctr"/>
+          <a:lstStyle/>
+          <a:p>
+            <a:pPr algn="ctr"/>
+            <a:endParaRPr lang="en-US"/>
+          </a:p>
+        </p:txBody>
+      </p:sp>
+      <p:sp>
+        <p:nvSpPr>
+          <p:cNvPr id="13" name="Rectangle: Rounded Corners 12">
+            <a:extLst>
+              <a:ext uri="{FF2B5EF4-FFF2-40B4-BE49-F238E27FC236}">
+                <a16:creationId xmlns:a16="http://schemas.microsoft.com/office/drawing/2014/main" id="{8E18A4C0-4CCA-7562-8DAF-181C60D6E73C}"/>
+              </a:ext>
+            </a:extLst>
+          </p:cNvPr>
+          <p:cNvSpPr/>
+          <p:nvPr/>
+        </p:nvSpPr>
+        <p:spPr>
+          <a:xfrm rot="5400000">
+            <a:off x="860723" y="3965679"/>
+            <a:ext cx="2127448" cy="404714"/>
+          </a:xfrm>
+          <a:prstGeom prst="roundRect">
+            <a:avLst/>
+          </a:prstGeom>
+          <a:solidFill>
+            <a:schemeClr val="accent4">
+              <a:lumMod val="40000"/>
+              <a:lumOff val="60000"/>
+            </a:schemeClr>
+          </a:solidFill>
+        </p:spPr>
+        <p:style>
+          <a:lnRef idx="2">
+            <a:schemeClr val="accent1">
+              <a:shade val="15000"/>
+            </a:schemeClr>
+          </a:lnRef>
+          <a:fillRef idx="1">
+            <a:schemeClr val="accent1"/>
+          </a:fillRef>
+          <a:effectRef idx="0">
+            <a:schemeClr val="accent1"/>
+          </a:effectRef>
+          <a:fontRef idx="minor">
+            <a:schemeClr val="lt1"/>
+          </a:fontRef>
+        </p:style>
+        <p:txBody>
+          <a:bodyPr rtlCol="0" anchor="ctr"/>
+          <a:lstStyle/>
+          <a:p>
+            <a:pPr algn="ctr"/>
+            <a:endParaRPr lang="en-US" dirty="0"/>
+          </a:p>
+        </p:txBody>
+      </p:sp>
+      <p:sp>
+        <p:nvSpPr>
+          <p:cNvPr id="12" name="Oval 11">
+            <a:extLst>
+              <a:ext uri="{FF2B5EF4-FFF2-40B4-BE49-F238E27FC236}">
+                <a16:creationId xmlns:a16="http://schemas.microsoft.com/office/drawing/2014/main" id="{92089EF0-DD73-A71E-02F1-631987E18696}"/>
+              </a:ext>
+            </a:extLst>
+          </p:cNvPr>
+          <p:cNvSpPr/>
+          <p:nvPr/>
+        </p:nvSpPr>
+        <p:spPr>
+          <a:xfrm>
+            <a:off x="1811629" y="3217928"/>
+            <a:ext cx="225637" cy="225637"/>
+          </a:xfrm>
+          <a:prstGeom prst="ellipse">
+            <a:avLst/>
+          </a:prstGeom>
+          <a:solidFill>
+            <a:schemeClr val="bg1">
+              <a:lumMod val="50000"/>
+            </a:schemeClr>
+          </a:solidFill>
+          <a:ln>
+            <a:noFill/>
+          </a:ln>
+        </p:spPr>
+        <p:style>
+          <a:lnRef idx="2">
+            <a:schemeClr val="accent1">
+              <a:shade val="15000"/>
+            </a:schemeClr>
+          </a:lnRef>
+          <a:fillRef idx="1">
+            <a:schemeClr val="accent1"/>
+          </a:fillRef>
+          <a:effectRef idx="0">
+            <a:schemeClr val="accent1"/>
+          </a:effectRef>
+          <a:fontRef idx="minor">
+            <a:schemeClr val="lt1"/>
+          </a:fontRef>
+        </p:style>
+        <p:txBody>
+          <a:bodyPr rtlCol="0" anchor="ctr"/>
+          <a:lstStyle/>
+          <a:p>
+            <a:pPr algn="ctr"/>
+            <a:endParaRPr lang="en-US"/>
+          </a:p>
+        </p:txBody>
+      </p:sp>
+      <p:sp>
+        <p:nvSpPr>
+          <p:cNvPr id="14" name="Rectangle: Rounded Corners 13">
+            <a:extLst>
+              <a:ext uri="{FF2B5EF4-FFF2-40B4-BE49-F238E27FC236}">
+                <a16:creationId xmlns:a16="http://schemas.microsoft.com/office/drawing/2014/main" id="{4FD3CB04-7C4E-61CA-D690-B3DEA5549BBF}"/>
+              </a:ext>
+            </a:extLst>
+          </p:cNvPr>
+          <p:cNvSpPr/>
+          <p:nvPr/>
+        </p:nvSpPr>
+        <p:spPr>
+          <a:xfrm rot="5400000">
+            <a:off x="1222937" y="5011496"/>
+            <a:ext cx="1405273" cy="667760"/>
+          </a:xfrm>
+          <a:prstGeom prst="roundRect">
+            <a:avLst/>
+          </a:prstGeom>
+          <a:solidFill>
+            <a:schemeClr val="accent4">
+              <a:lumMod val="75000"/>
+            </a:schemeClr>
+          </a:solidFill>
+        </p:spPr>
+        <p:style>
+          <a:lnRef idx="2">
+            <a:schemeClr val="accent1">
+              <a:shade val="15000"/>
+            </a:schemeClr>
+          </a:lnRef>
+          <a:fillRef idx="1">
+            <a:schemeClr val="accent1"/>
+          </a:fillRef>
+          <a:effectRef idx="0">
+            <a:schemeClr val="accent1"/>
+          </a:effectRef>
+          <a:fontRef idx="minor">
+            <a:schemeClr val="lt1"/>
+          </a:fontRef>
+        </p:style>
+        <p:txBody>
+          <a:bodyPr rtlCol="0" anchor="ctr"/>
+          <a:lstStyle/>
+          <a:p>
+            <a:pPr algn="ctr"/>
+            <a:endParaRPr lang="en-US" dirty="0"/>
+          </a:p>
+        </p:txBody>
+      </p:sp>
+      <p:cxnSp>
+        <p:nvCxnSpPr>
+          <p:cNvPr id="22" name="Straight Arrow Connector 21">
+            <a:extLst>
+              <a:ext uri="{FF2B5EF4-FFF2-40B4-BE49-F238E27FC236}">
+                <a16:creationId xmlns:a16="http://schemas.microsoft.com/office/drawing/2014/main" id="{6F04B1F6-6FDC-6BC7-B905-9724FC7C4349}"/>
+              </a:ext>
+            </a:extLst>
+          </p:cNvPr>
+          <p:cNvCxnSpPr/>
+          <p:nvPr/>
+        </p:nvCxnSpPr>
+        <p:spPr>
+          <a:xfrm flipV="1">
+            <a:off x="1295400" y="3330746"/>
+            <a:ext cx="0" cy="1082504"/>
+          </a:xfrm>
+          <a:prstGeom prst="straightConnector1">
+            <a:avLst/>
+          </a:prstGeom>
+          <a:ln w="57150">
+            <a:solidFill>
+              <a:schemeClr val="tx1"/>
+            </a:solidFill>
+            <a:headEnd type="triangle"/>
+            <a:tailEnd type="triangle"/>
+          </a:ln>
+        </p:spPr>
+        <p:style>
+          <a:lnRef idx="1">
+            <a:schemeClr val="accent1"/>
+          </a:lnRef>
+          <a:fillRef idx="0">
+            <a:schemeClr val="accent1"/>
+          </a:fillRef>
+          <a:effectRef idx="0">
+            <a:schemeClr val="accent1"/>
+          </a:effectRef>
+          <a:fontRef idx="minor">
+            <a:schemeClr val="tx1"/>
+          </a:fontRef>
+        </p:style>
+      </p:cxnSp>
+      <p:sp>
+        <p:nvSpPr>
+          <p:cNvPr id="28" name="Arrow: Circular 27">
+            <a:extLst>
+              <a:ext uri="{FF2B5EF4-FFF2-40B4-BE49-F238E27FC236}">
+                <a16:creationId xmlns:a16="http://schemas.microsoft.com/office/drawing/2014/main" id="{F0A006C0-C12A-E941-94B1-06DB9C6FFFA6}"/>
+              </a:ext>
+            </a:extLst>
+          </p:cNvPr>
+          <p:cNvSpPr/>
+          <p:nvPr/>
+        </p:nvSpPr>
+        <p:spPr>
+          <a:xfrm>
+            <a:off x="1811629" y="1075578"/>
+            <a:ext cx="3354541" cy="2726489"/>
+          </a:xfrm>
+          <a:prstGeom prst="circularArrow">
+            <a:avLst>
+              <a:gd name="adj1" fmla="val 1567"/>
+              <a:gd name="adj2" fmla="val 288884"/>
+              <a:gd name="adj3" fmla="val 20456824"/>
+              <a:gd name="adj4" fmla="val 11829671"/>
+              <a:gd name="adj5" fmla="val 3475"/>
+            </a:avLst>
+          </a:prstGeom>
+          <a:solidFill>
+            <a:schemeClr val="tx1"/>
+          </a:solidFill>
+          <a:ln>
+            <a:solidFill>
+              <a:schemeClr val="tx1"/>
+            </a:solidFill>
+          </a:ln>
+        </p:spPr>
+        <p:style>
+          <a:lnRef idx="2">
+            <a:schemeClr val="accent1">
+              <a:shade val="15000"/>
+            </a:schemeClr>
+          </a:lnRef>
+          <a:fillRef idx="1">
+            <a:schemeClr val="accent1"/>
+          </a:fillRef>
+          <a:effectRef idx="0">
+            <a:schemeClr val="accent1"/>
+          </a:effectRef>
+          <a:fontRef idx="minor">
+            <a:schemeClr val="lt1"/>
+          </a:fontRef>
+        </p:style>
+        <p:txBody>
+          <a:bodyPr rtlCol="0" anchor="ctr"/>
+          <a:lstStyle/>
+          <a:p>
+            <a:pPr algn="ctr"/>
+            <a:endParaRPr lang="en-US">
+              <a:solidFill>
+                <a:schemeClr val="tx1"/>
+              </a:solidFill>
+            </a:endParaRPr>
+          </a:p>
+        </p:txBody>
+      </p:sp>
+      <p:sp>
+        <p:nvSpPr>
+          <p:cNvPr id="33" name="Oval 32">
+            <a:extLst>
+              <a:ext uri="{FF2B5EF4-FFF2-40B4-BE49-F238E27FC236}">
+                <a16:creationId xmlns:a16="http://schemas.microsoft.com/office/drawing/2014/main" id="{B6B16F85-3629-D01B-C52A-FB3136012586}"/>
+              </a:ext>
+            </a:extLst>
+          </p:cNvPr>
+          <p:cNvSpPr/>
+          <p:nvPr/>
+        </p:nvSpPr>
+        <p:spPr>
+          <a:xfrm>
+            <a:off x="8031346" y="3510394"/>
+            <a:ext cx="225637" cy="225637"/>
+          </a:xfrm>
+          <a:prstGeom prst="ellipse">
+            <a:avLst/>
+          </a:prstGeom>
+          <a:solidFill>
+            <a:srgbClr val="FF0000"/>
+          </a:solidFill>
+          <a:ln>
+            <a:noFill/>
+          </a:ln>
+        </p:spPr>
+        <p:style>
+          <a:lnRef idx="2">
+            <a:schemeClr val="accent1">
+              <a:shade val="15000"/>
+            </a:schemeClr>
+          </a:lnRef>
+          <a:fillRef idx="1">
+            <a:schemeClr val="accent1"/>
+          </a:fillRef>
+          <a:effectRef idx="0">
+            <a:schemeClr val="accent1"/>
+          </a:effectRef>
+          <a:fontRef idx="minor">
+            <a:schemeClr val="lt1"/>
+          </a:fontRef>
+        </p:style>
+        <p:txBody>
+          <a:bodyPr rtlCol="0" anchor="ctr"/>
+          <a:lstStyle/>
+          <a:p>
+            <a:pPr algn="ctr"/>
+            <a:endParaRPr lang="en-US"/>
+          </a:p>
+        </p:txBody>
+      </p:sp>
+      <p:sp>
+        <p:nvSpPr>
+          <p:cNvPr id="36" name="Rectangle: Rounded Corners 35">
+            <a:extLst>
+              <a:ext uri="{FF2B5EF4-FFF2-40B4-BE49-F238E27FC236}">
+                <a16:creationId xmlns:a16="http://schemas.microsoft.com/office/drawing/2014/main" id="{0FF920F0-ABE9-B1E2-2343-11C5EFC6EA74}"/>
+              </a:ext>
+            </a:extLst>
+          </p:cNvPr>
+          <p:cNvSpPr/>
+          <p:nvPr/>
+        </p:nvSpPr>
+        <p:spPr>
+          <a:xfrm rot="5400000">
+            <a:off x="6707732" y="5276306"/>
+            <a:ext cx="1405273" cy="667760"/>
+          </a:xfrm>
+          <a:prstGeom prst="roundRect">
+            <a:avLst/>
+          </a:prstGeom>
+          <a:solidFill>
+            <a:schemeClr val="accent4">
+              <a:lumMod val="75000"/>
+            </a:schemeClr>
+          </a:solidFill>
+        </p:spPr>
+        <p:style>
+          <a:lnRef idx="2">
+            <a:schemeClr val="accent1">
+              <a:shade val="15000"/>
+            </a:schemeClr>
+          </a:lnRef>
+          <a:fillRef idx="1">
+            <a:schemeClr val="accent1"/>
+          </a:fillRef>
+          <a:effectRef idx="0">
+            <a:schemeClr val="accent1"/>
+          </a:effectRef>
+          <a:fontRef idx="minor">
+            <a:schemeClr val="lt1"/>
+          </a:fontRef>
+        </p:style>
+        <p:txBody>
+          <a:bodyPr rtlCol="0" anchor="ctr"/>
+          <a:lstStyle/>
+          <a:p>
+            <a:pPr algn="ctr"/>
+            <a:endParaRPr lang="en-US" dirty="0"/>
+          </a:p>
+        </p:txBody>
+      </p:sp>
+      <p:cxnSp>
+        <p:nvCxnSpPr>
+          <p:cNvPr id="37" name="Straight Arrow Connector 36">
+            <a:extLst>
+              <a:ext uri="{FF2B5EF4-FFF2-40B4-BE49-F238E27FC236}">
+                <a16:creationId xmlns:a16="http://schemas.microsoft.com/office/drawing/2014/main" id="{71D1363F-A7BA-9947-09FA-54061B8CA599}"/>
+              </a:ext>
+            </a:extLst>
+          </p:cNvPr>
+          <p:cNvCxnSpPr/>
+          <p:nvPr/>
+        </p:nvCxnSpPr>
+        <p:spPr>
+          <a:xfrm flipV="1">
+            <a:off x="6780195" y="3595556"/>
+            <a:ext cx="0" cy="1082504"/>
+          </a:xfrm>
+          <a:prstGeom prst="straightConnector1">
+            <a:avLst/>
+          </a:prstGeom>
+          <a:ln w="57150">
+            <a:solidFill>
+              <a:schemeClr val="tx1"/>
+            </a:solidFill>
+            <a:headEnd type="triangle"/>
+            <a:tailEnd type="triangle"/>
+          </a:ln>
+        </p:spPr>
+        <p:style>
+          <a:lnRef idx="1">
+            <a:schemeClr val="accent1"/>
+          </a:lnRef>
+          <a:fillRef idx="0">
+            <a:schemeClr val="accent1"/>
+          </a:fillRef>
+          <a:effectRef idx="0">
+            <a:schemeClr val="accent1"/>
+          </a:effectRef>
+          <a:fontRef idx="minor">
+            <a:schemeClr val="tx1"/>
+          </a:fontRef>
+        </p:style>
+      </p:cxnSp>
+      <p:sp>
+        <p:nvSpPr>
+          <p:cNvPr id="38" name="Arrow: Circular 37">
+            <a:extLst>
+              <a:ext uri="{FF2B5EF4-FFF2-40B4-BE49-F238E27FC236}">
+                <a16:creationId xmlns:a16="http://schemas.microsoft.com/office/drawing/2014/main" id="{59EC065B-13CC-EB91-1435-386FA4BF2E0D}"/>
+              </a:ext>
+            </a:extLst>
+          </p:cNvPr>
+          <p:cNvSpPr/>
+          <p:nvPr/>
+        </p:nvSpPr>
+        <p:spPr>
+          <a:xfrm>
+            <a:off x="7296424" y="1340388"/>
+            <a:ext cx="3354541" cy="2726489"/>
+          </a:xfrm>
+          <a:prstGeom prst="circularArrow">
+            <a:avLst>
+              <a:gd name="adj1" fmla="val 1567"/>
+              <a:gd name="adj2" fmla="val 288884"/>
+              <a:gd name="adj3" fmla="val 20456824"/>
+              <a:gd name="adj4" fmla="val 11829671"/>
+              <a:gd name="adj5" fmla="val 3475"/>
+            </a:avLst>
+          </a:prstGeom>
+          <a:solidFill>
+            <a:schemeClr val="tx1"/>
+          </a:solidFill>
+          <a:ln>
+            <a:solidFill>
+              <a:schemeClr val="tx1"/>
+            </a:solidFill>
+          </a:ln>
+        </p:spPr>
+        <p:style>
+          <a:lnRef idx="2">
+            <a:schemeClr val="accent1">
+              <a:shade val="15000"/>
+            </a:schemeClr>
+          </a:lnRef>
+          <a:fillRef idx="1">
+            <a:schemeClr val="accent1"/>
+          </a:fillRef>
+          <a:effectRef idx="0">
+            <a:schemeClr val="accent1"/>
+          </a:effectRef>
+          <a:fontRef idx="minor">
+            <a:schemeClr val="lt1"/>
+          </a:fontRef>
+        </p:style>
+        <p:txBody>
+          <a:bodyPr rtlCol="0" anchor="ctr"/>
+          <a:lstStyle/>
+          <a:p>
+            <a:pPr algn="ctr"/>
+            <a:endParaRPr lang="en-US">
+              <a:solidFill>
+                <a:schemeClr val="tx1"/>
+              </a:solidFill>
+            </a:endParaRPr>
+          </a:p>
+        </p:txBody>
+      </p:sp>
+    </p:spTree>
+    <p:extLst>
+      <p:ext uri="{BB962C8B-B14F-4D97-AF65-F5344CB8AC3E}">
+        <p14:creationId xmlns:p14="http://schemas.microsoft.com/office/powerpoint/2010/main" val="1555744215"/>
+      </p:ext>
+    </p:extLst>
+  </p:cSld>
+  <p:clrMapOvr>
+    <a:masterClrMapping/>
+  </p:clrMapOvr>
+</p:sld>
+</file>
+
+<file path=ppt/slides/slide4.xml><?xml version="1.0" encoding="utf-8"?>
+<p:sld xmlns:a="http://schemas.openxmlformats.org/drawingml/2006/main" xmlns:r="http://schemas.openxmlformats.org/officeDocument/2006/relationships" xmlns:p="http://schemas.openxmlformats.org/presentationml/2006/main">
+  <p:cSld>
+    <p:spTree>
+      <p:nvGrpSpPr>
+        <p:cNvPr id="1" name=""/>
+        <p:cNvGrpSpPr/>
+        <p:nvPr/>
+      </p:nvGrpSpPr>
+      <p:grpSpPr>
+        <a:xfrm>
+          <a:off x="0" y="0"/>
+          <a:ext cx="0" cy="0"/>
+          <a:chOff x="0" y="0"/>
+          <a:chExt cx="0" cy="0"/>
+        </a:xfrm>
+      </p:grpSpPr>
       <p:pic>
         <p:nvPicPr>
           <p:cNvPr id="5" name="Picture 4">
@@ -8757,7 +9850,7 @@
 </p:sld>
 </file>
 
-<file path=ppt/slides/slide4.xml><?xml version="1.0" encoding="utf-8"?>
+<file path=ppt/slides/slide5.xml><?xml version="1.0" encoding="utf-8"?>
 <p:sld xmlns:a="http://schemas.openxmlformats.org/drawingml/2006/main" xmlns:r="http://schemas.openxmlformats.org/officeDocument/2006/relationships" xmlns:p="http://schemas.openxmlformats.org/presentationml/2006/main">
   <p:cSld>
     <p:spTree>
@@ -8859,7 +9952,97 @@
 </p:sld>
 </file>
 
-<file path=ppt/slides/slide5.xml><?xml version="1.0" encoding="utf-8"?>
+<file path=ppt/slides/slide6.xml><?xml version="1.0" encoding="utf-8"?>
+<p:sld xmlns:a="http://schemas.openxmlformats.org/drawingml/2006/main" xmlns:r="http://schemas.openxmlformats.org/officeDocument/2006/relationships" xmlns:p="http://schemas.openxmlformats.org/presentationml/2006/main">
+  <p:cSld>
+    <p:spTree>
+      <p:nvGrpSpPr>
+        <p:cNvPr id="1" name=""/>
+        <p:cNvGrpSpPr/>
+        <p:nvPr/>
+      </p:nvGrpSpPr>
+      <p:grpSpPr>
+        <a:xfrm>
+          <a:off x="0" y="0"/>
+          <a:ext cx="0" cy="0"/>
+          <a:chOff x="0" y="0"/>
+          <a:chExt cx="0" cy="0"/>
+        </a:xfrm>
+      </p:grpSpPr>
+      <p:pic>
+        <p:nvPicPr>
+          <p:cNvPr id="5" name="Picture 4">
+            <a:extLst>
+              <a:ext uri="{FF2B5EF4-FFF2-40B4-BE49-F238E27FC236}">
+                <a16:creationId xmlns:a16="http://schemas.microsoft.com/office/drawing/2014/main" id="{DC333256-357C-3C74-6D82-55108B0CFEDB}"/>
+              </a:ext>
+            </a:extLst>
+          </p:cNvPr>
+          <p:cNvPicPr>
+            <a:picLocks noChangeAspect="1"/>
+          </p:cNvPicPr>
+          <p:nvPr/>
+        </p:nvPicPr>
+        <p:blipFill>
+          <a:blip r:embed="rId2"/>
+          <a:stretch>
+            <a:fillRect/>
+          </a:stretch>
+        </p:blipFill>
+        <p:spPr>
+          <a:xfrm>
+            <a:off x="5163999" y="752447"/>
+            <a:ext cx="5434052" cy="7639106"/>
+          </a:xfrm>
+          <a:prstGeom prst="rect">
+            <a:avLst/>
+          </a:prstGeom>
+        </p:spPr>
+      </p:pic>
+      <p:pic>
+        <p:nvPicPr>
+          <p:cNvPr id="7" name="Picture 6">
+            <a:extLst>
+              <a:ext uri="{FF2B5EF4-FFF2-40B4-BE49-F238E27FC236}">
+                <a16:creationId xmlns:a16="http://schemas.microsoft.com/office/drawing/2014/main" id="{EF112168-8A6B-10CC-DF81-139533A774A4}"/>
+              </a:ext>
+            </a:extLst>
+          </p:cNvPr>
+          <p:cNvPicPr>
+            <a:picLocks noChangeAspect="1"/>
+          </p:cNvPicPr>
+          <p:nvPr/>
+        </p:nvPicPr>
+        <p:blipFill>
+          <a:blip r:embed="rId3"/>
+          <a:stretch>
+            <a:fillRect/>
+          </a:stretch>
+        </p:blipFill>
+        <p:spPr>
+          <a:xfrm>
+            <a:off x="172446" y="752447"/>
+            <a:ext cx="4778128" cy="7639106"/>
+          </a:xfrm>
+          <a:prstGeom prst="rect">
+            <a:avLst/>
+          </a:prstGeom>
+        </p:spPr>
+      </p:pic>
+    </p:spTree>
+    <p:extLst>
+      <p:ext uri="{BB962C8B-B14F-4D97-AF65-F5344CB8AC3E}">
+        <p14:creationId xmlns:p14="http://schemas.microsoft.com/office/powerpoint/2010/main" val="1076472132"/>
+      </p:ext>
+    </p:extLst>
+  </p:cSld>
+  <p:clrMapOvr>
+    <a:masterClrMapping/>
+  </p:clrMapOvr>
+</p:sld>
+</file>
+
+<file path=ppt/slides/slide7.xml><?xml version="1.0" encoding="utf-8"?>
 <p:sld xmlns:a="http://schemas.openxmlformats.org/drawingml/2006/main" xmlns:r="http://schemas.openxmlformats.org/officeDocument/2006/relationships" xmlns:p="http://schemas.openxmlformats.org/presentationml/2006/main">
   <p:cSld>
     <p:spTree>
@@ -8940,6 +10123,183 @@
     <p:extLst>
       <p:ext uri="{BB962C8B-B14F-4D97-AF65-F5344CB8AC3E}">
         <p14:creationId xmlns:p14="http://schemas.microsoft.com/office/powerpoint/2010/main" val="2988257969"/>
+      </p:ext>
+    </p:extLst>
+  </p:cSld>
+  <p:clrMapOvr>
+    <a:masterClrMapping/>
+  </p:clrMapOvr>
+</p:sld>
+</file>
+
+<file path=ppt/slides/slide8.xml><?xml version="1.0" encoding="utf-8"?>
+<p:sld xmlns:a="http://schemas.openxmlformats.org/drawingml/2006/main" xmlns:r="http://schemas.openxmlformats.org/officeDocument/2006/relationships" xmlns:p="http://schemas.openxmlformats.org/presentationml/2006/main">
+  <p:cSld>
+    <p:spTree>
+      <p:nvGrpSpPr>
+        <p:cNvPr id="1" name=""/>
+        <p:cNvGrpSpPr/>
+        <p:nvPr/>
+      </p:nvGrpSpPr>
+      <p:grpSpPr>
+        <a:xfrm>
+          <a:off x="0" y="0"/>
+          <a:ext cx="0" cy="0"/>
+          <a:chOff x="0" y="0"/>
+          <a:chExt cx="0" cy="0"/>
+        </a:xfrm>
+      </p:grpSpPr>
+      <p:pic>
+        <p:nvPicPr>
+          <p:cNvPr id="5" name="Picture 4">
+            <a:extLst>
+              <a:ext uri="{FF2B5EF4-FFF2-40B4-BE49-F238E27FC236}">
+                <a16:creationId xmlns:a16="http://schemas.microsoft.com/office/drawing/2014/main" id="{5A974807-3D15-7AB2-BF1E-E6AC24946456}"/>
+              </a:ext>
+            </a:extLst>
+          </p:cNvPr>
+          <p:cNvPicPr>
+            <a:picLocks noChangeAspect="1"/>
+          </p:cNvPicPr>
+          <p:nvPr/>
+        </p:nvPicPr>
+        <p:blipFill>
+          <a:blip r:embed="rId2"/>
+          <a:stretch>
+            <a:fillRect/>
+          </a:stretch>
+        </p:blipFill>
+        <p:spPr>
+          <a:xfrm>
+            <a:off x="356363" y="1075889"/>
+            <a:ext cx="5907614" cy="6044422"/>
+          </a:xfrm>
+          <a:prstGeom prst="rect">
+            <a:avLst/>
+          </a:prstGeom>
+        </p:spPr>
+      </p:pic>
+      <p:pic>
+        <p:nvPicPr>
+          <p:cNvPr id="11" name="Picture 10">
+            <a:extLst>
+              <a:ext uri="{FF2B5EF4-FFF2-40B4-BE49-F238E27FC236}">
+                <a16:creationId xmlns:a16="http://schemas.microsoft.com/office/drawing/2014/main" id="{79A2EA31-B454-3456-D654-5029A6221940}"/>
+              </a:ext>
+            </a:extLst>
+          </p:cNvPr>
+          <p:cNvPicPr>
+            <a:picLocks noChangeAspect="1"/>
+          </p:cNvPicPr>
+          <p:nvPr/>
+        </p:nvPicPr>
+        <p:blipFill>
+          <a:blip r:embed="rId3"/>
+          <a:stretch>
+            <a:fillRect/>
+          </a:stretch>
+        </p:blipFill>
+        <p:spPr>
+          <a:xfrm>
+            <a:off x="6263977" y="1075890"/>
+            <a:ext cx="5928023" cy="1517786"/>
+          </a:xfrm>
+          <a:prstGeom prst="rect">
+            <a:avLst/>
+          </a:prstGeom>
+        </p:spPr>
+      </p:pic>
+      <p:pic>
+        <p:nvPicPr>
+          <p:cNvPr id="13" name="Picture 12">
+            <a:extLst>
+              <a:ext uri="{FF2B5EF4-FFF2-40B4-BE49-F238E27FC236}">
+                <a16:creationId xmlns:a16="http://schemas.microsoft.com/office/drawing/2014/main" id="{1536C0D0-6CAB-C8EB-9B2D-54C0CB7926AC}"/>
+              </a:ext>
+            </a:extLst>
+          </p:cNvPr>
+          <p:cNvPicPr>
+            <a:picLocks noChangeAspect="1"/>
+          </p:cNvPicPr>
+          <p:nvPr/>
+        </p:nvPicPr>
+        <p:blipFill rotWithShape="1">
+          <a:blip r:embed="rId4"/>
+          <a:srcRect t="855" r="515"/>
+          <a:stretch/>
+        </p:blipFill>
+        <p:spPr>
+          <a:xfrm>
+            <a:off x="6263976" y="2593677"/>
+            <a:ext cx="5928023" cy="1517786"/>
+          </a:xfrm>
+          <a:prstGeom prst="rect">
+            <a:avLst/>
+          </a:prstGeom>
+        </p:spPr>
+      </p:pic>
+      <p:pic>
+        <p:nvPicPr>
+          <p:cNvPr id="15" name="Picture 14">
+            <a:extLst>
+              <a:ext uri="{FF2B5EF4-FFF2-40B4-BE49-F238E27FC236}">
+                <a16:creationId xmlns:a16="http://schemas.microsoft.com/office/drawing/2014/main" id="{CF66B2A9-4A43-D4CA-1DDD-01C395500D68}"/>
+              </a:ext>
+            </a:extLst>
+          </p:cNvPr>
+          <p:cNvPicPr>
+            <a:picLocks noChangeAspect="1"/>
+          </p:cNvPicPr>
+          <p:nvPr/>
+        </p:nvPicPr>
+        <p:blipFill rotWithShape="1">
+          <a:blip r:embed="rId5"/>
+          <a:srcRect r="344"/>
+          <a:stretch/>
+        </p:blipFill>
+        <p:spPr>
+          <a:xfrm>
+            <a:off x="6263976" y="4095735"/>
+            <a:ext cx="5954373" cy="1517786"/>
+          </a:xfrm>
+          <a:prstGeom prst="rect">
+            <a:avLst/>
+          </a:prstGeom>
+        </p:spPr>
+      </p:pic>
+      <p:pic>
+        <p:nvPicPr>
+          <p:cNvPr id="17" name="Picture 16">
+            <a:extLst>
+              <a:ext uri="{FF2B5EF4-FFF2-40B4-BE49-F238E27FC236}">
+                <a16:creationId xmlns:a16="http://schemas.microsoft.com/office/drawing/2014/main" id="{78F29D17-85DE-56FD-BA4B-AAD83BC46CC3}"/>
+              </a:ext>
+            </a:extLst>
+          </p:cNvPr>
+          <p:cNvPicPr>
+            <a:picLocks noChangeAspect="1"/>
+          </p:cNvPicPr>
+          <p:nvPr/>
+        </p:nvPicPr>
+        <p:blipFill rotWithShape="1">
+          <a:blip r:embed="rId6"/>
+          <a:srcRect r="271"/>
+          <a:stretch/>
+        </p:blipFill>
+        <p:spPr>
+          <a:xfrm>
+            <a:off x="6263975" y="5601603"/>
+            <a:ext cx="5928023" cy="1518708"/>
+          </a:xfrm>
+          <a:prstGeom prst="rect">
+            <a:avLst/>
+          </a:prstGeom>
+        </p:spPr>
+      </p:pic>
+    </p:spTree>
+    <p:extLst>
+      <p:ext uri="{BB962C8B-B14F-4D97-AF65-F5344CB8AC3E}">
+        <p14:creationId xmlns:p14="http://schemas.microsoft.com/office/powerpoint/2010/main" val="1194846518"/>
       </p:ext>
     </p:extLst>
   </p:cSld>
